--- a/final/课程设计结果报告.pptx
+++ b/final/课程设计结果报告.pptx
@@ -40,6 +40,7 @@
     <p:sldId id="298" r:id="rId34"/>
     <p:sldId id="299" r:id="rId35"/>
     <p:sldId id="300" r:id="rId36"/>
+    <p:sldId id="301" r:id="rId37"/>
   </p:sldIdLst>
   <p:sldSz cx="12192000" cy="6858000"/>
   <p:notesSz cx="6858000" cy="9144000"/>
@@ -7277,9 +7278,56 @@
           <a:p>
             <a:r>
               <a:rPr lang="zh-CN" altLang="en-US" dirty="0" smtClean="0"/>
-              <a:t>目前进度：</a:t>
-            </a:r>
-            <a:endParaRPr lang="zh-CN" altLang="en-US" dirty="0"/>
+              <a:t>目前进度</a:t>
+            </a:r>
+            <a:r>
+              <a:rPr lang="zh-CN" altLang="en-US" dirty="0" smtClean="0"/>
+              <a:t>：</a:t>
+            </a:r>
+            <a:endParaRPr lang="en-US" altLang="zh-CN" dirty="0" smtClean="0"/>
+          </a:p>
+          <a:p>
+            <a:r>
+              <a:rPr lang="zh-CN" altLang="en-US" dirty="0" smtClean="0"/>
+              <a:t>已经支持</a:t>
+            </a:r>
+            <a:r>
+              <a:rPr lang="en-US" altLang="zh-CN" dirty="0" smtClean="0"/>
+              <a:t>rv32</a:t>
+            </a:r>
+            <a:r>
+              <a:rPr lang="zh-CN" altLang="en-US" dirty="0" smtClean="0"/>
+              <a:t>和</a:t>
+            </a:r>
+            <a:r>
+              <a:rPr lang="en-US" altLang="zh-CN" dirty="0" smtClean="0"/>
+              <a:t>rv64</a:t>
+            </a:r>
+            <a:r>
+              <a:rPr lang="zh-CN" altLang="en-US" dirty="0" smtClean="0"/>
+              <a:t>的自动测试</a:t>
+            </a:r>
+            <a:endParaRPr lang="en-US" altLang="zh-CN" dirty="0" smtClean="0"/>
+          </a:p>
+          <a:p>
+            <a:endParaRPr lang="en-US" altLang="zh-CN" dirty="0" smtClean="0"/>
+          </a:p>
+          <a:p>
+            <a:r>
+              <a:rPr lang="zh-CN" altLang="en-US" dirty="0" smtClean="0"/>
+              <a:t>展示：</a:t>
+            </a:r>
+            <a:endParaRPr lang="en-US" altLang="zh-CN" dirty="0" smtClean="0"/>
+          </a:p>
+          <a:p>
+            <a:r>
+              <a:rPr lang="en-US" altLang="zh-CN" sz="1600" dirty="0"/>
+              <a:t>https://travis-ci.org/cxjyxxme/ucore_plus/builds</a:t>
+            </a:r>
+            <a:endParaRPr lang="en-US" altLang="zh-CN" sz="1600" dirty="0" smtClean="0"/>
+          </a:p>
+          <a:p>
+            <a:endParaRPr lang="zh-CN" altLang="en-US" sz="1600" dirty="0"/>
           </a:p>
         </p:txBody>
       </p:sp>
@@ -7305,7 +7353,7 @@
         </p:blipFill>
         <p:spPr>
           <a:xfrm>
-            <a:off x="402392" y="2442314"/>
+            <a:off x="5209666" y="1095156"/>
             <a:ext cx="5047392" cy="4415686"/>
           </a:xfrm>
           <a:prstGeom prst="rect">
@@ -7335,7 +7383,7 @@
         </p:blipFill>
         <p:spPr>
           <a:xfrm>
-            <a:off x="5614909" y="2523813"/>
+            <a:off x="5209666" y="5777865"/>
             <a:ext cx="5429250" cy="476250"/>
           </a:xfrm>
           <a:prstGeom prst="rect">
@@ -7876,6 +7924,42 @@
             </a:r>
           </a:p>
           <a:p>
+            <a:r>
+              <a:rPr lang="zh-CN" altLang="en-US" b="1" dirty="0"/>
+              <a:t>内存管理</a:t>
+            </a:r>
+          </a:p>
+          <a:p>
+            <a:r>
+              <a:rPr lang="en-US" altLang="zh-CN" dirty="0"/>
+              <a:t>mm</a:t>
+            </a:r>
+            <a:r>
+              <a:rPr lang="zh-CN" altLang="en-US" dirty="0"/>
+              <a:t>方面因为页表是进程独立的，感觉就是要在申请物理页的时候加个锁</a:t>
+            </a:r>
+            <a:r>
+              <a:rPr lang="en-US" altLang="zh-CN" dirty="0"/>
+              <a:t>(</a:t>
+            </a:r>
+            <a:r>
+              <a:rPr lang="en-US" altLang="zh-CN" dirty="0" err="1"/>
+              <a:t>ucore</a:t>
+            </a:r>
+            <a:r>
+              <a:rPr lang="en-US" altLang="zh-CN" dirty="0"/>
+              <a:t>+</a:t>
+            </a:r>
+            <a:r>
+              <a:rPr lang="zh-CN" altLang="en-US" dirty="0"/>
+              <a:t>已经有了</a:t>
+            </a:r>
+            <a:r>
+              <a:rPr lang="en-US" altLang="zh-CN" dirty="0"/>
+              <a:t>) </a:t>
+            </a:r>
+          </a:p>
+          <a:p>
             <a:endParaRPr lang="zh-CN" altLang="en-US" dirty="0"/>
           </a:p>
         </p:txBody>
@@ -7950,59 +8034,21 @@
             <p:ph idx="1"/>
           </p:nvPr>
         </p:nvSpPr>
-        <p:spPr/>
+        <p:spPr>
+          <a:xfrm>
+            <a:off x="676656" y="2011680"/>
+            <a:ext cx="10753725" cy="5131133"/>
+          </a:xfrm>
+        </p:spPr>
         <p:txBody>
           <a:bodyPr/>
           <a:lstStyle/>
           <a:p>
             <a:r>
-              <a:rPr lang="zh-CN" altLang="en-US" b="1" dirty="0"/>
-              <a:t>内存管理</a:t>
-            </a:r>
-          </a:p>
-          <a:p>
-            <a:r>
-              <a:rPr lang="en-US" altLang="zh-CN" dirty="0"/>
-              <a:t>mm</a:t>
-            </a:r>
-            <a:r>
-              <a:rPr lang="zh-CN" altLang="en-US" dirty="0"/>
-              <a:t>方面因为</a:t>
-            </a:r>
-            <a:r>
-              <a:rPr lang="zh-CN" altLang="en-US" dirty="0" smtClean="0"/>
-              <a:t>页表是进程独立的，</a:t>
-            </a:r>
-            <a:r>
-              <a:rPr lang="zh-CN" altLang="en-US" dirty="0"/>
-              <a:t>感觉就是要在申请物理页的时候加个锁</a:t>
-            </a:r>
-            <a:r>
-              <a:rPr lang="en-US" altLang="zh-CN" dirty="0"/>
-              <a:t>(</a:t>
-            </a:r>
-            <a:r>
-              <a:rPr lang="en-US" altLang="zh-CN" dirty="0" err="1"/>
-              <a:t>ucore</a:t>
-            </a:r>
-            <a:r>
-              <a:rPr lang="en-US" altLang="zh-CN" dirty="0"/>
-              <a:t>+</a:t>
-            </a:r>
-            <a:r>
-              <a:rPr lang="zh-CN" altLang="en-US" dirty="0"/>
-              <a:t>已经有了</a:t>
-            </a:r>
-            <a:r>
-              <a:rPr lang="en-US" altLang="zh-CN" dirty="0"/>
-              <a:t>) </a:t>
-            </a:r>
-          </a:p>
-          <a:p>
-            <a:r>
-              <a:rPr lang="zh-CN" altLang="en-US" b="1" dirty="0"/>
+              <a:rPr lang="zh-CN" altLang="en-US" b="1" dirty="0" smtClean="0"/>
               <a:t>调度</a:t>
             </a:r>
+            <a:endParaRPr lang="zh-CN" altLang="en-US" b="1" dirty="0"/>
           </a:p>
           <a:p>
             <a:r>
@@ -8121,6 +8167,225 @@
             </a:r>
           </a:p>
           <a:p>
+            <a:r>
+              <a:rPr lang="zh-CN" altLang="en-US" dirty="0" smtClean="0"/>
+              <a:t>大概的算法是：对于每个</a:t>
+            </a:r>
+            <a:r>
+              <a:rPr lang="en-US" altLang="zh-CN" dirty="0" err="1" smtClean="0"/>
+              <a:t>cpu</a:t>
+            </a:r>
+            <a:r>
+              <a:rPr lang="zh-CN" altLang="en-US" dirty="0" smtClean="0"/>
+              <a:t>都可以计算一个</a:t>
+            </a:r>
+            <a:r>
+              <a:rPr lang="en-US" altLang="zh-CN" dirty="0" smtClean="0"/>
+              <a:t>load</a:t>
+            </a:r>
+            <a:r>
+              <a:rPr lang="zh-CN" altLang="en-US" dirty="0" smtClean="0"/>
+              <a:t>值表示这个</a:t>
+            </a:r>
+            <a:r>
+              <a:rPr lang="en-US" altLang="zh-CN" dirty="0" err="1" smtClean="0"/>
+              <a:t>cpu</a:t>
+            </a:r>
+            <a:r>
+              <a:rPr lang="zh-CN" altLang="en-US" dirty="0" smtClean="0"/>
+              <a:t>的负载情况。每次某个</a:t>
+            </a:r>
+            <a:r>
+              <a:rPr lang="en-US" altLang="zh-CN" dirty="0" err="1" smtClean="0"/>
+              <a:t>cpu</a:t>
+            </a:r>
+            <a:r>
+              <a:rPr lang="zh-CN" altLang="en-US" dirty="0" smtClean="0"/>
+              <a:t>执行</a:t>
+            </a:r>
+            <a:r>
+              <a:rPr lang="en-US" altLang="zh-CN" dirty="0" smtClean="0"/>
+              <a:t>balance</a:t>
+            </a:r>
+            <a:r>
+              <a:rPr lang="zh-CN" altLang="en-US" dirty="0" smtClean="0"/>
+              <a:t>的时候，会把自己</a:t>
+            </a:r>
+            <a:r>
+              <a:rPr lang="en-US" altLang="zh-CN" dirty="0" err="1" smtClean="0"/>
+              <a:t>cpu</a:t>
+            </a:r>
+            <a:r>
+              <a:rPr lang="zh-CN" altLang="en-US" dirty="0" smtClean="0"/>
+              <a:t>的</a:t>
+            </a:r>
+            <a:r>
+              <a:rPr lang="en-US" altLang="zh-CN" dirty="0" smtClean="0"/>
+              <a:t>load</a:t>
+            </a:r>
+            <a:r>
+              <a:rPr lang="zh-CN" altLang="en-US" dirty="0" smtClean="0"/>
+              <a:t>值</a:t>
+            </a:r>
+            <a:r>
+              <a:rPr lang="en-US" altLang="zh-CN" dirty="0" smtClean="0"/>
+              <a:t>load1</a:t>
+            </a:r>
+            <a:r>
+              <a:rPr lang="zh-CN" altLang="en-US" dirty="0" smtClean="0"/>
+              <a:t>和负载最大的</a:t>
+            </a:r>
+            <a:r>
+              <a:rPr lang="en-US" altLang="zh-CN" dirty="0" err="1" smtClean="0"/>
+              <a:t>cpu</a:t>
+            </a:r>
+            <a:r>
+              <a:rPr lang="zh-CN" altLang="en-US" dirty="0" smtClean="0"/>
+              <a:t>的</a:t>
+            </a:r>
+            <a:r>
+              <a:rPr lang="en-US" altLang="zh-CN" dirty="0" smtClean="0"/>
+              <a:t>load</a:t>
+            </a:r>
+            <a:r>
+              <a:rPr lang="zh-CN" altLang="en-US" dirty="0" smtClean="0"/>
+              <a:t>值</a:t>
+            </a:r>
+            <a:r>
+              <a:rPr lang="en-US" altLang="zh-CN" dirty="0" smtClean="0"/>
+              <a:t>load2</a:t>
+            </a:r>
+            <a:r>
+              <a:rPr lang="zh-CN" altLang="en-US" dirty="0" smtClean="0"/>
+              <a:t>和各个</a:t>
+            </a:r>
+            <a:r>
+              <a:rPr lang="en-US" altLang="zh-CN" dirty="0" err="1" smtClean="0"/>
+              <a:t>cpu</a:t>
+            </a:r>
+            <a:r>
+              <a:rPr lang="zh-CN" altLang="en-US" dirty="0" smtClean="0"/>
+              <a:t>的</a:t>
+            </a:r>
+            <a:r>
+              <a:rPr lang="en-US" altLang="zh-CN" dirty="0" smtClean="0"/>
+              <a:t>load</a:t>
+            </a:r>
+            <a:r>
+              <a:rPr lang="zh-CN" altLang="en-US" dirty="0" smtClean="0"/>
+              <a:t>值的均值</a:t>
+            </a:r>
+            <a:r>
+              <a:rPr lang="en-US" altLang="zh-CN" dirty="0" smtClean="0"/>
+              <a:t>load_</a:t>
+            </a:r>
+            <a:r>
+              <a:rPr lang="zh-CN" altLang="en-US" dirty="0" smtClean="0"/>
+              <a:t>进行，如果</a:t>
+            </a:r>
+            <a:r>
+              <a:rPr lang="en-US" altLang="zh-CN" dirty="0" smtClean="0"/>
+              <a:t>load1&lt;load_&amp;&amp;load2&gt;load_</a:t>
+            </a:r>
+            <a:r>
+              <a:rPr lang="zh-CN" altLang="en-US" dirty="0" smtClean="0"/>
+              <a:t>则把最繁忙的</a:t>
+            </a:r>
+            <a:r>
+              <a:rPr lang="en-US" altLang="zh-CN" dirty="0" err="1" smtClean="0"/>
+              <a:t>cpu</a:t>
+            </a:r>
+            <a:r>
+              <a:rPr lang="zh-CN" altLang="en-US" dirty="0" smtClean="0"/>
+              <a:t>的</a:t>
+            </a:r>
+            <a:r>
+              <a:rPr lang="en-US" altLang="zh-CN" dirty="0" err="1" smtClean="0"/>
+              <a:t>rq</a:t>
+            </a:r>
+            <a:r>
+              <a:rPr lang="zh-CN" altLang="en-US" dirty="0" smtClean="0"/>
+              <a:t>中的一些</a:t>
+            </a:r>
+            <a:r>
+              <a:rPr lang="en-US" altLang="zh-CN" dirty="0" smtClean="0"/>
+              <a:t>process</a:t>
+            </a:r>
+            <a:r>
+              <a:rPr lang="zh-CN" altLang="en-US" dirty="0" smtClean="0"/>
+              <a:t>移到自己的</a:t>
+            </a:r>
+            <a:r>
+              <a:rPr lang="en-US" altLang="zh-CN" dirty="0" err="1" smtClean="0"/>
+              <a:t>rq</a:t>
+            </a:r>
+            <a:r>
+              <a:rPr lang="zh-CN" altLang="en-US" dirty="0" smtClean="0"/>
+              <a:t>中，使两个</a:t>
+            </a:r>
+            <a:r>
+              <a:rPr lang="en-US" altLang="zh-CN" dirty="0" err="1" smtClean="0"/>
+              <a:t>cpu</a:t>
+            </a:r>
+            <a:r>
+              <a:rPr lang="zh-CN" altLang="en-US" dirty="0" smtClean="0"/>
+              <a:t>中的</a:t>
+            </a:r>
+            <a:r>
+              <a:rPr lang="en-US" altLang="zh-CN" dirty="0" smtClean="0"/>
+              <a:t>load</a:t>
+            </a:r>
+            <a:r>
+              <a:rPr lang="zh-CN" altLang="en-US" dirty="0" smtClean="0"/>
+              <a:t>值都更接近均值。</a:t>
+            </a:r>
+            <a:endParaRPr lang="en-US" altLang="zh-CN" dirty="0" smtClean="0"/>
+          </a:p>
+          <a:p>
+            <a:r>
+              <a:rPr lang="zh-CN" altLang="en-US" dirty="0" smtClean="0"/>
+              <a:t>计算</a:t>
+            </a:r>
+            <a:r>
+              <a:rPr lang="en-US" altLang="zh-CN" dirty="0" smtClean="0"/>
+              <a:t>load</a:t>
+            </a:r>
+            <a:r>
+              <a:rPr lang="zh-CN" altLang="en-US" dirty="0" smtClean="0"/>
+              <a:t>的方式考虑到</a:t>
+            </a:r>
+            <a:r>
+              <a:rPr lang="en-US" altLang="zh-CN" dirty="0" err="1" smtClean="0"/>
+              <a:t>cpu</a:t>
+            </a:r>
+            <a:r>
+              <a:rPr lang="zh-CN" altLang="en-US" dirty="0" smtClean="0"/>
+              <a:t>的</a:t>
+            </a:r>
+            <a:r>
+              <a:rPr lang="en-US" altLang="zh-CN" dirty="0" err="1" smtClean="0"/>
+              <a:t>rq</a:t>
+            </a:r>
+            <a:r>
+              <a:rPr lang="zh-CN" altLang="en-US" dirty="0" smtClean="0"/>
+              <a:t>的波动很大，所以可以考虑历史的</a:t>
+            </a:r>
+            <a:r>
+              <a:rPr lang="en-US" altLang="zh-CN" dirty="0" smtClean="0"/>
+              <a:t>load</a:t>
+            </a:r>
+            <a:r>
+              <a:rPr lang="zh-CN" altLang="en-US" dirty="0" smtClean="0"/>
+              <a:t>情况加权平均形成当前</a:t>
+            </a:r>
+            <a:r>
+              <a:rPr lang="en-US" altLang="zh-CN" dirty="0" smtClean="0"/>
+              <a:t>load</a:t>
+            </a:r>
+            <a:r>
+              <a:rPr lang="zh-CN" altLang="en-US" dirty="0" smtClean="0"/>
+              <a:t>。</a:t>
+            </a:r>
             <a:endParaRPr lang="zh-CN" altLang="en-US" dirty="0"/>
           </a:p>
         </p:txBody>
@@ -8356,7 +8621,12 @@
             <p:ph idx="1"/>
           </p:nvPr>
         </p:nvSpPr>
-        <p:spPr/>
+        <p:spPr>
+          <a:xfrm>
+            <a:off x="676656" y="2011680"/>
+            <a:ext cx="10753725" cy="4111802"/>
+          </a:xfrm>
+        </p:spPr>
         <p:txBody>
           <a:bodyPr/>
           <a:lstStyle/>
@@ -8469,10 +8739,23 @@
             </a:r>
             <a:r>
               <a:rPr lang="zh-CN" altLang="en-US" dirty="0"/>
-              <a:t>例还没有全部通过，可能还有一些同步互斥问题有待解决</a:t>
-            </a:r>
-          </a:p>
-          <a:p>
+              <a:t>例还没有全部通过，可能还有一些同步互斥问题有待</a:t>
+            </a:r>
+            <a:r>
+              <a:rPr lang="zh-CN" altLang="en-US" dirty="0" smtClean="0"/>
+              <a:t>解决</a:t>
+            </a:r>
+            <a:endParaRPr lang="en-US" altLang="zh-CN" dirty="0" smtClean="0"/>
+          </a:p>
+          <a:p>
+            <a:r>
+              <a:rPr lang="en-US" altLang="zh-CN" dirty="0" smtClean="0"/>
+              <a:t>4. </a:t>
+            </a:r>
+            <a:r>
+              <a:rPr lang="zh-CN" altLang="en-US" dirty="0" smtClean="0"/>
+              <a:t>更细致的锁</a:t>
+            </a:r>
             <a:endParaRPr lang="zh-CN" altLang="en-US" dirty="0"/>
           </a:p>
         </p:txBody>
@@ -8702,6 +8985,84 @@
     <p:extLst>
       <p:ext uri="{BB962C8B-B14F-4D97-AF65-F5344CB8AC3E}">
         <p14:creationId xmlns:p14="http://schemas.microsoft.com/office/powerpoint/2010/main" val="1595191621"/>
+      </p:ext>
+    </p:extLst>
+  </p:cSld>
+  <p:clrMapOvr>
+    <a:masterClrMapping/>
+  </p:clrMapOvr>
+</p:sld>
+</file>
+
+<file path=ppt/slides/slide36.xml><?xml version="1.0" encoding="utf-8"?>
+<p:sld xmlns:a="http://schemas.openxmlformats.org/drawingml/2006/main" xmlns:r="http://schemas.openxmlformats.org/officeDocument/2006/relationships" xmlns:p="http://schemas.openxmlformats.org/presentationml/2006/main">
+  <p:cSld>
+    <p:spTree>
+      <p:nvGrpSpPr>
+        <p:cNvPr id="1" name=""/>
+        <p:cNvGrpSpPr/>
+        <p:nvPr/>
+      </p:nvGrpSpPr>
+      <p:grpSpPr>
+        <a:xfrm>
+          <a:off x="0" y="0"/>
+          <a:ext cx="0" cy="0"/>
+          <a:chOff x="0" y="0"/>
+          <a:chExt cx="0" cy="0"/>
+        </a:xfrm>
+      </p:grpSpPr>
+      <p:sp>
+        <p:nvSpPr>
+          <p:cNvPr id="2" name="标题 1"/>
+          <p:cNvSpPr>
+            <a:spLocks noGrp="1"/>
+          </p:cNvSpPr>
+          <p:nvPr>
+            <p:ph type="title"/>
+          </p:nvPr>
+        </p:nvSpPr>
+        <p:spPr>
+          <a:xfrm>
+            <a:off x="676656" y="2801032"/>
+            <a:ext cx="10772775" cy="1658198"/>
+          </a:xfrm>
+        </p:spPr>
+        <p:txBody>
+          <a:bodyPr/>
+          <a:lstStyle/>
+          <a:p>
+            <a:pPr algn="ctr"/>
+            <a:r>
+              <a:rPr lang="en-US" altLang="zh-CN" dirty="0" smtClean="0"/>
+              <a:t>Thanks Q&amp;A</a:t>
+            </a:r>
+            <a:endParaRPr lang="zh-CN" altLang="en-US" dirty="0"/>
+          </a:p>
+        </p:txBody>
+      </p:sp>
+      <p:sp>
+        <p:nvSpPr>
+          <p:cNvPr id="3" name="内容占位符 2"/>
+          <p:cNvSpPr>
+            <a:spLocks noGrp="1"/>
+          </p:cNvSpPr>
+          <p:nvPr>
+            <p:ph idx="1"/>
+          </p:nvPr>
+        </p:nvSpPr>
+        <p:spPr/>
+        <p:txBody>
+          <a:bodyPr/>
+          <a:lstStyle/>
+          <a:p>
+            <a:endParaRPr lang="zh-CN" altLang="en-US" dirty="0"/>
+          </a:p>
+        </p:txBody>
+      </p:sp>
+    </p:spTree>
+    <p:extLst>
+      <p:ext uri="{BB962C8B-B14F-4D97-AF65-F5344CB8AC3E}">
+        <p14:creationId xmlns:p14="http://schemas.microsoft.com/office/powerpoint/2010/main" val="385558845"/>
       </p:ext>
     </p:extLst>
   </p:cSld>
